--- a/GAハッカソン.pptx
+++ b/GAハッカソン.pptx
@@ -7,9 +7,10 @@
   <p:sldIdLst>
     <p:sldId id="256" r:id="rId2"/>
     <p:sldId id="257" r:id="rId3"/>
-    <p:sldId id="260" r:id="rId4"/>
-    <p:sldId id="259" r:id="rId5"/>
-    <p:sldId id="258" r:id="rId6"/>
+    <p:sldId id="261" r:id="rId4"/>
+    <p:sldId id="260" r:id="rId5"/>
+    <p:sldId id="259" r:id="rId6"/>
+    <p:sldId id="258" r:id="rId7"/>
   </p:sldIdLst>
   <p:sldSz cx="12192000" cy="6858000"/>
   <p:notesSz cx="6858000" cy="9144000"/>
@@ -108,6 +109,11 @@
       </a:defRPr>
     </a:lvl9pPr>
   </p:defaultTextStyle>
+  <p:extLst>
+    <p:ext uri="{EFAFB233-063F-42B5-8137-9DF3F51BA10A}">
+      <p15:sldGuideLst xmlns:p15="http://schemas.microsoft.com/office/powerpoint/2012/main"/>
+    </p:ext>
+  </p:extLst>
 </p:presentation>
 </file>
 
@@ -3904,101 +3910,58 @@
           <a:lstStyle/>
           <a:p>
             <a:r>
-              <a:rPr lang="ja-JP" altLang="en-US" sz="3200" dirty="0" smtClean="0">
-                <a:latin typeface="Osaka－等幅" panose="020B0609000000000000" pitchFamily="49" charset="-128"/>
-                <a:ea typeface="Osaka－等幅" panose="020B0609000000000000" pitchFamily="49" charset="-128"/>
-              </a:rPr>
-              <a:t>スロット</a:t>
-            </a:r>
-            <a:r>
-              <a:rPr lang="ja-JP" altLang="en-US" sz="3200" dirty="0">
-                <a:latin typeface="Osaka－等幅" panose="020B0609000000000000" pitchFamily="49" charset="-128"/>
-                <a:ea typeface="Osaka－等幅" panose="020B0609000000000000" pitchFamily="49" charset="-128"/>
-              </a:rPr>
-              <a:t>でお金を稼いで女の子に貢ぎ、</a:t>
-            </a:r>
-            <a:r>
-              <a:rPr lang="ja-JP" altLang="en-US" sz="3200" dirty="0">
-                <a:solidFill>
-                  <a:srgbClr val="FF0000"/>
-                </a:solidFill>
-                <a:latin typeface="Osaka－等幅" panose="020B0609000000000000" pitchFamily="49" charset="-128"/>
-                <a:ea typeface="Osaka－等幅" panose="020B0609000000000000" pitchFamily="49" charset="-128"/>
-              </a:rPr>
-              <a:t>野球</a:t>
-            </a:r>
-            <a:r>
-              <a:rPr lang="ja-JP" altLang="en-US" sz="3200" dirty="0" smtClean="0">
-                <a:solidFill>
-                  <a:srgbClr val="FF0000"/>
-                </a:solidFill>
-                <a:latin typeface="Osaka－等幅" panose="020B0609000000000000" pitchFamily="49" charset="-128"/>
-                <a:ea typeface="Osaka－等幅" panose="020B0609000000000000" pitchFamily="49" charset="-128"/>
-              </a:rPr>
-              <a:t>拳</a:t>
-            </a:r>
-            <a:r>
-              <a:rPr lang="ja-JP" altLang="en-US" sz="3200" dirty="0" smtClean="0">
-                <a:latin typeface="Osaka－等幅" panose="020B0609000000000000" pitchFamily="49" charset="-128"/>
-                <a:ea typeface="Osaka－等幅" panose="020B0609000000000000" pitchFamily="49" charset="-128"/>
-              </a:rPr>
-              <a:t>を</a:t>
-            </a:r>
-            <a:r>
-              <a:rPr lang="ja-JP" altLang="en-US" sz="3200" dirty="0">
-                <a:latin typeface="Osaka－等幅" panose="020B0609000000000000" pitchFamily="49" charset="-128"/>
-                <a:ea typeface="Osaka－等幅" panose="020B0609000000000000" pitchFamily="49" charset="-128"/>
-              </a:rPr>
-              <a:t>してもらう</a:t>
-            </a:r>
-            <a:r>
-              <a:rPr lang="ja-JP" altLang="en-US" sz="3200" dirty="0" smtClean="0">
-                <a:latin typeface="Osaka－等幅" panose="020B0609000000000000" pitchFamily="49" charset="-128"/>
-                <a:ea typeface="Osaka－等幅" panose="020B0609000000000000" pitchFamily="49" charset="-128"/>
-              </a:rPr>
-              <a:t>ゲーム</a:t>
-            </a:r>
-            <a:endParaRPr lang="en-US" altLang="ja-JP" sz="3200" dirty="0" smtClean="0">
-              <a:latin typeface="Osaka－等幅" panose="020B0609000000000000" pitchFamily="49" charset="-128"/>
-              <a:ea typeface="Osaka－等幅" panose="020B0609000000000000" pitchFamily="49" charset="-128"/>
-            </a:endParaRPr>
-          </a:p>
-          <a:p>
-            <a:r>
-              <a:rPr lang="ja-JP" altLang="en-US" sz="3200" dirty="0" smtClean="0">
-                <a:solidFill>
-                  <a:srgbClr val="FF0000"/>
-                </a:solidFill>
-                <a:latin typeface="Osaka－等幅" panose="020B0609000000000000" pitchFamily="49" charset="-128"/>
-                <a:ea typeface="Osaka－等幅" panose="020B0609000000000000" pitchFamily="49" charset="-128"/>
-              </a:rPr>
-              <a:t>最後まで</a:t>
-            </a:r>
-            <a:r>
-              <a:rPr lang="ja-JP" altLang="en-US" sz="3200" dirty="0" smtClean="0">
-                <a:latin typeface="Osaka－等幅" panose="020B0609000000000000" pitchFamily="49" charset="-128"/>
-                <a:ea typeface="Osaka－等幅" panose="020B0609000000000000" pitchFamily="49" charset="-128"/>
-              </a:rPr>
-              <a:t>ちゃんと</a:t>
-            </a:r>
-            <a:r>
-              <a:rPr lang="ja-JP" altLang="en-US" sz="3200" dirty="0">
-                <a:latin typeface="Osaka－等幅" panose="020B0609000000000000" pitchFamily="49" charset="-128"/>
-                <a:ea typeface="Osaka－等幅" panose="020B0609000000000000" pitchFamily="49" charset="-128"/>
-              </a:rPr>
-              <a:t>脱ぐよ</a:t>
-            </a:r>
-            <a:r>
-              <a:rPr lang="ja-JP" altLang="en-US" sz="3200" dirty="0" smtClean="0">
-                <a:latin typeface="Osaka－等幅" panose="020B0609000000000000" pitchFamily="49" charset="-128"/>
-                <a:ea typeface="Osaka－等幅" panose="020B0609000000000000" pitchFamily="49" charset="-128"/>
-              </a:rPr>
-              <a:t>！</a:t>
-            </a:r>
-            <a:endParaRPr lang="ja-JP" altLang="en-US" sz="3200" dirty="0">
-              <a:latin typeface="Osaka－等幅" panose="020B0609000000000000" pitchFamily="49" charset="-128"/>
-              <a:ea typeface="Osaka－等幅" panose="020B0609000000000000" pitchFamily="49" charset="-128"/>
-            </a:endParaRPr>
+              <a:rPr kumimoji="1" lang="ja-JP" altLang="en-US" dirty="0" smtClean="0"/>
+              <a:t>グロアの</a:t>
+            </a:r>
+            <a:r>
+              <a:rPr kumimoji="1" lang="en-US" altLang="ja-JP" dirty="0" smtClean="0"/>
+              <a:t>3</a:t>
+            </a:r>
+            <a:r>
+              <a:rPr lang="ja-JP" altLang="en-US" dirty="0" smtClean="0"/>
+              <a:t>大</a:t>
+            </a:r>
+            <a:r>
+              <a:rPr lang="ja-JP" altLang="en-US" dirty="0" err="1" smtClean="0"/>
+              <a:t>ほにゃらら</a:t>
+            </a:r>
+            <a:endParaRPr lang="en-US" altLang="ja-JP" dirty="0" smtClean="0"/>
+          </a:p>
+          <a:p>
+            <a:endParaRPr kumimoji="1" lang="en-US" altLang="ja-JP" dirty="0"/>
+          </a:p>
+          <a:p>
+            <a:r>
+              <a:rPr lang="ja-JP" altLang="en-US" dirty="0" smtClean="0"/>
+              <a:t>金！ 女！ ギャンブル！</a:t>
+            </a:r>
+            <a:endParaRPr lang="en-US" altLang="ja-JP" dirty="0" smtClean="0"/>
+          </a:p>
+          <a:p>
+            <a:endParaRPr kumimoji="1" lang="en-US" altLang="ja-JP" dirty="0"/>
+          </a:p>
+          <a:p>
+            <a:r>
+              <a:rPr lang="ja-JP" altLang="en-US" dirty="0" smtClean="0"/>
+              <a:t>よってこの</a:t>
+            </a:r>
+            <a:r>
+              <a:rPr lang="en-US" altLang="ja-JP" dirty="0" smtClean="0"/>
+              <a:t>3</a:t>
+            </a:r>
+            <a:r>
+              <a:rPr lang="ja-JP" altLang="en-US" dirty="0" smtClean="0"/>
+              <a:t>大</a:t>
+            </a:r>
+            <a:r>
+              <a:rPr lang="ja-JP" altLang="en-US" dirty="0" err="1" smtClean="0"/>
+              <a:t>ほにゃららを</a:t>
+            </a:r>
+            <a:r>
+              <a:rPr lang="ja-JP" altLang="en-US" dirty="0" smtClean="0"/>
+              <a:t>盛り込んだ欲望を体現</a:t>
+            </a:r>
+            <a:endParaRPr kumimoji="1" lang="ja-JP" altLang="en-US" dirty="0"/>
           </a:p>
         </p:txBody>
       </p:sp>
@@ -4022,7 +3985,7 @@
                 <a:latin typeface="Osaka－等幅" panose="020B0609000000000000" pitchFamily="49" charset="-128"/>
                 <a:ea typeface="Osaka－等幅" panose="020B0609000000000000" pitchFamily="49" charset="-128"/>
               </a:rPr>
-              <a:t>内容</a:t>
+              <a:t>理由</a:t>
             </a:r>
             <a:endParaRPr kumimoji="1" lang="ja-JP" altLang="en-US" dirty="0">
               <a:latin typeface="Osaka－等幅" panose="020B0609000000000000" pitchFamily="49" charset="-128"/>
@@ -4034,7 +3997,7 @@
     </p:spTree>
     <p:extLst>
       <p:ext uri="{BB962C8B-B14F-4D97-AF65-F5344CB8AC3E}">
-        <p14:creationId xmlns:p14="http://schemas.microsoft.com/office/powerpoint/2010/main" val="1838073833"/>
+        <p14:creationId xmlns:p14="http://schemas.microsoft.com/office/powerpoint/2010/main" val="2218996337"/>
       </p:ext>
     </p:extLst>
   </p:cSld>
@@ -4080,6 +4043,186 @@
         </p:nvSpPr>
         <p:spPr/>
         <p:txBody>
+          <a:bodyPr/>
+          <a:lstStyle/>
+          <a:p>
+            <a:r>
+              <a:rPr lang="ja-JP" altLang="en-US" sz="3200" dirty="0" smtClean="0">
+                <a:latin typeface="Osaka－等幅" panose="020B0609000000000000" pitchFamily="49" charset="-128"/>
+                <a:ea typeface="Osaka－等幅" panose="020B0609000000000000" pitchFamily="49" charset="-128"/>
+              </a:rPr>
+              <a:t>スロット</a:t>
+            </a:r>
+            <a:r>
+              <a:rPr lang="ja-JP" altLang="en-US" sz="3200" dirty="0">
+                <a:latin typeface="Osaka－等幅" panose="020B0609000000000000" pitchFamily="49" charset="-128"/>
+                <a:ea typeface="Osaka－等幅" panose="020B0609000000000000" pitchFamily="49" charset="-128"/>
+              </a:rPr>
+              <a:t>でお金を稼いで女の子に貢ぎ、</a:t>
+            </a:r>
+            <a:r>
+              <a:rPr lang="ja-JP" altLang="en-US" sz="3200" dirty="0">
+                <a:solidFill>
+                  <a:srgbClr val="FF0000"/>
+                </a:solidFill>
+                <a:latin typeface="Osaka－等幅" panose="020B0609000000000000" pitchFamily="49" charset="-128"/>
+                <a:ea typeface="Osaka－等幅" panose="020B0609000000000000" pitchFamily="49" charset="-128"/>
+              </a:rPr>
+              <a:t>野球</a:t>
+            </a:r>
+            <a:r>
+              <a:rPr lang="ja-JP" altLang="en-US" sz="3200" dirty="0" smtClean="0">
+                <a:solidFill>
+                  <a:srgbClr val="FF0000"/>
+                </a:solidFill>
+                <a:latin typeface="Osaka－等幅" panose="020B0609000000000000" pitchFamily="49" charset="-128"/>
+                <a:ea typeface="Osaka－等幅" panose="020B0609000000000000" pitchFamily="49" charset="-128"/>
+              </a:rPr>
+              <a:t>拳</a:t>
+            </a:r>
+            <a:r>
+              <a:rPr lang="ja-JP" altLang="en-US" sz="3200" dirty="0" smtClean="0">
+                <a:latin typeface="Osaka－等幅" panose="020B0609000000000000" pitchFamily="49" charset="-128"/>
+                <a:ea typeface="Osaka－等幅" panose="020B0609000000000000" pitchFamily="49" charset="-128"/>
+              </a:rPr>
+              <a:t>を</a:t>
+            </a:r>
+            <a:r>
+              <a:rPr lang="ja-JP" altLang="en-US" sz="3200" dirty="0">
+                <a:latin typeface="Osaka－等幅" panose="020B0609000000000000" pitchFamily="49" charset="-128"/>
+                <a:ea typeface="Osaka－等幅" panose="020B0609000000000000" pitchFamily="49" charset="-128"/>
+              </a:rPr>
+              <a:t>してもらう</a:t>
+            </a:r>
+            <a:r>
+              <a:rPr lang="ja-JP" altLang="en-US" sz="3200" dirty="0" smtClean="0">
+                <a:latin typeface="Osaka－等幅" panose="020B0609000000000000" pitchFamily="49" charset="-128"/>
+                <a:ea typeface="Osaka－等幅" panose="020B0609000000000000" pitchFamily="49" charset="-128"/>
+              </a:rPr>
+              <a:t>ゲーム</a:t>
+            </a:r>
+            <a:endParaRPr lang="en-US" altLang="ja-JP" sz="3200" dirty="0" smtClean="0">
+              <a:latin typeface="Osaka－等幅" panose="020B0609000000000000" pitchFamily="49" charset="-128"/>
+              <a:ea typeface="Osaka－等幅" panose="020B0609000000000000" pitchFamily="49" charset="-128"/>
+            </a:endParaRPr>
+          </a:p>
+          <a:p>
+            <a:r>
+              <a:rPr lang="ja-JP" altLang="en-US" sz="3200" dirty="0" smtClean="0">
+                <a:solidFill>
+                  <a:srgbClr val="FF0000"/>
+                </a:solidFill>
+                <a:latin typeface="Osaka－等幅" panose="020B0609000000000000" pitchFamily="49" charset="-128"/>
+                <a:ea typeface="Osaka－等幅" panose="020B0609000000000000" pitchFamily="49" charset="-128"/>
+              </a:rPr>
+              <a:t>最後まで</a:t>
+            </a:r>
+            <a:r>
+              <a:rPr lang="ja-JP" altLang="en-US" sz="3200" dirty="0" smtClean="0">
+                <a:latin typeface="Osaka－等幅" panose="020B0609000000000000" pitchFamily="49" charset="-128"/>
+                <a:ea typeface="Osaka－等幅" panose="020B0609000000000000" pitchFamily="49" charset="-128"/>
+              </a:rPr>
+              <a:t>ちゃんと</a:t>
+            </a:r>
+            <a:r>
+              <a:rPr lang="ja-JP" altLang="en-US" sz="3200" dirty="0">
+                <a:latin typeface="Osaka－等幅" panose="020B0609000000000000" pitchFamily="49" charset="-128"/>
+                <a:ea typeface="Osaka－等幅" panose="020B0609000000000000" pitchFamily="49" charset="-128"/>
+              </a:rPr>
+              <a:t>脱ぐよ</a:t>
+            </a:r>
+            <a:r>
+              <a:rPr lang="ja-JP" altLang="en-US" sz="3200" dirty="0" smtClean="0">
+                <a:latin typeface="Osaka－等幅" panose="020B0609000000000000" pitchFamily="49" charset="-128"/>
+                <a:ea typeface="Osaka－等幅" panose="020B0609000000000000" pitchFamily="49" charset="-128"/>
+              </a:rPr>
+              <a:t>！</a:t>
+            </a:r>
+            <a:endParaRPr lang="ja-JP" altLang="en-US" sz="3200" dirty="0">
+              <a:latin typeface="Osaka－等幅" panose="020B0609000000000000" pitchFamily="49" charset="-128"/>
+              <a:ea typeface="Osaka－等幅" panose="020B0609000000000000" pitchFamily="49" charset="-128"/>
+            </a:endParaRPr>
+          </a:p>
+        </p:txBody>
+      </p:sp>
+      <p:sp>
+        <p:nvSpPr>
+          <p:cNvPr id="3" name="タイトル 2"/>
+          <p:cNvSpPr>
+            <a:spLocks noGrp="1"/>
+          </p:cNvSpPr>
+          <p:nvPr>
+            <p:ph type="title"/>
+          </p:nvPr>
+        </p:nvSpPr>
+        <p:spPr/>
+        <p:txBody>
+          <a:bodyPr/>
+          <a:lstStyle/>
+          <a:p>
+            <a:r>
+              <a:rPr kumimoji="1" lang="ja-JP" altLang="en-US" dirty="0" smtClean="0">
+                <a:latin typeface="Osaka－等幅" panose="020B0609000000000000" pitchFamily="49" charset="-128"/>
+                <a:ea typeface="Osaka－等幅" panose="020B0609000000000000" pitchFamily="49" charset="-128"/>
+              </a:rPr>
+              <a:t>内容</a:t>
+            </a:r>
+            <a:endParaRPr kumimoji="1" lang="ja-JP" altLang="en-US" dirty="0">
+              <a:latin typeface="Osaka－等幅" panose="020B0609000000000000" pitchFamily="49" charset="-128"/>
+              <a:ea typeface="Osaka－等幅" panose="020B0609000000000000" pitchFamily="49" charset="-128"/>
+            </a:endParaRPr>
+          </a:p>
+        </p:txBody>
+      </p:sp>
+    </p:spTree>
+    <p:extLst>
+      <p:ext uri="{BB962C8B-B14F-4D97-AF65-F5344CB8AC3E}">
+        <p14:creationId xmlns:p14="http://schemas.microsoft.com/office/powerpoint/2010/main" val="1838073833"/>
+      </p:ext>
+    </p:extLst>
+  </p:cSld>
+  <p:clrMapOvr>
+    <a:masterClrMapping/>
+  </p:clrMapOvr>
+  <p:timing>
+    <p:tnLst>
+      <p:par>
+        <p:cTn id="1" dur="indefinite" restart="never" nodeType="tmRoot"/>
+      </p:par>
+    </p:tnLst>
+  </p:timing>
+</p:sld>
+</file>
+
+<file path=ppt/slides/slide5.xml><?xml version="1.0" encoding="utf-8"?>
+<p:sld xmlns:a="http://schemas.openxmlformats.org/drawingml/2006/main" xmlns:r="http://schemas.openxmlformats.org/officeDocument/2006/relationships" xmlns:p="http://schemas.openxmlformats.org/presentationml/2006/main">
+  <p:cSld>
+    <p:spTree>
+      <p:nvGrpSpPr>
+        <p:cNvPr id="1" name=""/>
+        <p:cNvGrpSpPr/>
+        <p:nvPr/>
+      </p:nvGrpSpPr>
+      <p:grpSpPr>
+        <a:xfrm>
+          <a:off x="0" y="0"/>
+          <a:ext cx="0" cy="0"/>
+          <a:chOff x="0" y="0"/>
+          <a:chExt cx="0" cy="0"/>
+        </a:xfrm>
+      </p:grpSpPr>
+      <p:sp>
+        <p:nvSpPr>
+          <p:cNvPr id="2" name="コンテンツ プレースホルダー 1"/>
+          <p:cNvSpPr>
+            <a:spLocks noGrp="1"/>
+          </p:cNvSpPr>
+          <p:nvPr>
+            <p:ph idx="1"/>
+          </p:nvPr>
+        </p:nvSpPr>
+        <p:spPr/>
+        <p:txBody>
           <a:bodyPr>
             <a:normAutofit/>
           </a:bodyPr>
@@ -4310,7 +4453,7 @@
 </p:sld>
 </file>
 
-<file path=ppt/slides/slide5.xml><?xml version="1.0" encoding="utf-8"?>
+<file path=ppt/slides/slide6.xml><?xml version="1.0" encoding="utf-8"?>
 <p:sld xmlns:a="http://schemas.openxmlformats.org/drawingml/2006/main" xmlns:r="http://schemas.openxmlformats.org/officeDocument/2006/relationships" xmlns:p="http://schemas.openxmlformats.org/presentationml/2006/main">
   <p:cSld>
     <p:spTree>

--- a/GAハッカソン.pptx
+++ b/GAハッカソン.pptx
@@ -319,7 +319,7 @@
           <a:p>
             <a:fld id="{48BB6123-AF02-43AE-8699-0F04BEB71364}" type="datetimeFigureOut">
               <a:rPr kumimoji="1" lang="ja-JP" altLang="en-US" smtClean="0"/>
-              <a:t>2016/8/27</a:t>
+              <a:t>2016/8/28</a:t>
             </a:fld>
             <a:endParaRPr kumimoji="1" lang="ja-JP" altLang="en-US"/>
           </a:p>
@@ -579,7 +579,7 @@
           <a:p>
             <a:fld id="{48BB6123-AF02-43AE-8699-0F04BEB71364}" type="datetimeFigureOut">
               <a:rPr kumimoji="1" lang="ja-JP" altLang="en-US" smtClean="0"/>
-              <a:t>2016/8/27</a:t>
+              <a:t>2016/8/28</a:t>
             </a:fld>
             <a:endParaRPr kumimoji="1" lang="ja-JP" altLang="en-US"/>
           </a:p>
@@ -791,7 +791,7 @@
           <a:p>
             <a:fld id="{48BB6123-AF02-43AE-8699-0F04BEB71364}" type="datetimeFigureOut">
               <a:rPr kumimoji="1" lang="ja-JP" altLang="en-US" smtClean="0"/>
-              <a:t>2016/8/27</a:t>
+              <a:t>2016/8/28</a:t>
             </a:fld>
             <a:endParaRPr kumimoji="1" lang="ja-JP" altLang="en-US"/>
           </a:p>
@@ -927,7 +927,7 @@
           <a:p>
             <a:fld id="{48BB6123-AF02-43AE-8699-0F04BEB71364}" type="datetimeFigureOut">
               <a:rPr kumimoji="1" lang="ja-JP" altLang="en-US" smtClean="0"/>
-              <a:t>2016/8/27</a:t>
+              <a:t>2016/8/28</a:t>
             </a:fld>
             <a:endParaRPr kumimoji="1" lang="ja-JP" altLang="en-US"/>
           </a:p>
@@ -1227,7 +1227,7 @@
           <a:p>
             <a:fld id="{48BB6123-AF02-43AE-8699-0F04BEB71364}" type="datetimeFigureOut">
               <a:rPr kumimoji="1" lang="ja-JP" altLang="en-US" smtClean="0"/>
-              <a:t>2016/8/27</a:t>
+              <a:t>2016/8/28</a:t>
             </a:fld>
             <a:endParaRPr kumimoji="1" lang="ja-JP" altLang="en-US"/>
           </a:p>
@@ -1733,7 +1733,7 @@
           <a:p>
             <a:fld id="{48BB6123-AF02-43AE-8699-0F04BEB71364}" type="datetimeFigureOut">
               <a:rPr kumimoji="1" lang="ja-JP" altLang="en-US" smtClean="0"/>
-              <a:t>2016/8/27</a:t>
+              <a:t>2016/8/28</a:t>
             </a:fld>
             <a:endParaRPr kumimoji="1" lang="ja-JP" altLang="en-US"/>
           </a:p>
@@ -2224,7 +2224,7 @@
           <a:p>
             <a:fld id="{48BB6123-AF02-43AE-8699-0F04BEB71364}" type="datetimeFigureOut">
               <a:rPr kumimoji="1" lang="ja-JP" altLang="en-US" smtClean="0"/>
-              <a:t>2016/8/27</a:t>
+              <a:t>2016/8/28</a:t>
             </a:fld>
             <a:endParaRPr kumimoji="1" lang="ja-JP" altLang="en-US"/>
           </a:p>
@@ -2342,7 +2342,7 @@
           <a:p>
             <a:fld id="{48BB6123-AF02-43AE-8699-0F04BEB71364}" type="datetimeFigureOut">
               <a:rPr kumimoji="1" lang="ja-JP" altLang="en-US" smtClean="0"/>
-              <a:t>2016/8/27</a:t>
+              <a:t>2016/8/28</a:t>
             </a:fld>
             <a:endParaRPr kumimoji="1" lang="ja-JP" altLang="en-US"/>
           </a:p>
@@ -2437,7 +2437,7 @@
           <a:p>
             <a:fld id="{48BB6123-AF02-43AE-8699-0F04BEB71364}" type="datetimeFigureOut">
               <a:rPr kumimoji="1" lang="ja-JP" altLang="en-US" smtClean="0"/>
-              <a:t>2016/8/27</a:t>
+              <a:t>2016/8/28</a:t>
             </a:fld>
             <a:endParaRPr kumimoji="1" lang="ja-JP" altLang="en-US"/>
           </a:p>
@@ -2746,7 +2746,7 @@
           <a:p>
             <a:fld id="{48BB6123-AF02-43AE-8699-0F04BEB71364}" type="datetimeFigureOut">
               <a:rPr kumimoji="1" lang="ja-JP" altLang="en-US" smtClean="0"/>
-              <a:t>2016/8/27</a:t>
+              <a:t>2016/8/28</a:t>
             </a:fld>
             <a:endParaRPr kumimoji="1" lang="ja-JP" altLang="en-US"/>
           </a:p>
@@ -3003,7 +3003,7 @@
           <a:p>
             <a:fld id="{48BB6123-AF02-43AE-8699-0F04BEB71364}" type="datetimeFigureOut">
               <a:rPr kumimoji="1" lang="ja-JP" altLang="en-US" smtClean="0"/>
-              <a:t>2016/8/27</a:t>
+              <a:t>2016/8/28</a:t>
             </a:fld>
             <a:endParaRPr kumimoji="1" lang="ja-JP" altLang="en-US"/>
           </a:p>
@@ -3250,7 +3250,7 @@
           <a:p>
             <a:fld id="{48BB6123-AF02-43AE-8699-0F04BEB71364}" type="datetimeFigureOut">
               <a:rPr kumimoji="1" lang="ja-JP" altLang="en-US" smtClean="0"/>
-              <a:t>2016/8/27</a:t>
+              <a:t>2016/8/28</a:t>
             </a:fld>
             <a:endParaRPr kumimoji="1" lang="ja-JP" altLang="en-US"/>
           </a:p>
@@ -3735,25 +3735,6 @@
           </a:p>
         </p:txBody>
       </p:sp>
-      <p:sp>
-        <p:nvSpPr>
-          <p:cNvPr id="3" name="サブタイトル 2"/>
-          <p:cNvSpPr>
-            <a:spLocks noGrp="1"/>
-          </p:cNvSpPr>
-          <p:nvPr>
-            <p:ph type="subTitle" idx="1"/>
-          </p:nvPr>
-        </p:nvSpPr>
-        <p:spPr/>
-        <p:txBody>
-          <a:bodyPr/>
-          <a:lstStyle/>
-          <a:p>
-            <a:endParaRPr kumimoji="1" lang="ja-JP" altLang="en-US" dirty="0"/>
-          </a:p>
-        </p:txBody>
-      </p:sp>
     </p:spTree>
     <p:extLst>
       <p:ext uri="{BB962C8B-B14F-4D97-AF65-F5344CB8AC3E}">
@@ -3825,33 +3806,6 @@
               <a:t>　グロアの渇望</a:t>
             </a:r>
             <a:endParaRPr kumimoji="1" lang="ja-JP" altLang="en-US" dirty="0">
-              <a:latin typeface="Ubuntu" panose="020B05040306020A0204" pitchFamily="34" charset="0"/>
-            </a:endParaRPr>
-          </a:p>
-        </p:txBody>
-      </p:sp>
-      <p:sp>
-        <p:nvSpPr>
-          <p:cNvPr id="3" name="サブタイトル 2"/>
-          <p:cNvSpPr>
-            <a:spLocks noGrp="1"/>
-          </p:cNvSpPr>
-          <p:nvPr>
-            <p:ph type="subTitle" idx="1"/>
-          </p:nvPr>
-        </p:nvSpPr>
-        <p:spPr>
-          <a:xfrm>
-            <a:off x="677441" y="3102445"/>
-            <a:ext cx="10743767" cy="2014677"/>
-          </a:xfrm>
-        </p:spPr>
-        <p:txBody>
-          <a:bodyPr/>
-          <a:lstStyle/>
-          <a:p>
-            <a:pPr algn="l"/>
-            <a:endParaRPr kumimoji="1" lang="ja-JP" altLang="en-US" sz="3200" dirty="0">
               <a:latin typeface="Ubuntu" panose="020B05040306020A0204" pitchFamily="34" charset="0"/>
             </a:endParaRPr>
           </a:p>
